--- a/Presentación.pptx
+++ b/Presentación.pptx
@@ -16935,7 +16935,7 @@
           <p:nvPr>
             <p:extLst>
               <p:ext uri="{D42A27DB-BD31-4B8C-83A1-F6EECF244321}">
-                <p14:modId xmlns:p14="http://schemas.microsoft.com/office/powerpoint/2010/main" val="4021458350"/>
+                <p14:modId xmlns:p14="http://schemas.microsoft.com/office/powerpoint/2010/main" val="1998260331"/>
               </p:ext>
             </p:extLst>
           </p:nvPr>
@@ -17236,7 +17236,7 @@
                       </a:pPr>
                       <a:r>
                         <a:rPr lang="es-419" b="0" baseline="0" dirty="0" smtClean="0"/>
-                        <a:t>10GbE en fibra</a:t>
+                        <a:t>10GbE</a:t>
                       </a:r>
                     </a:p>
                     <a:p>
@@ -17333,7 +17333,7 @@
           <p:nvPr>
             <p:extLst>
               <p:ext uri="{D42A27DB-BD31-4B8C-83A1-F6EECF244321}">
-                <p14:modId xmlns:p14="http://schemas.microsoft.com/office/powerpoint/2010/main" val="3372709509"/>
+                <p14:modId xmlns:p14="http://schemas.microsoft.com/office/powerpoint/2010/main" val="3493038053"/>
               </p:ext>
             </p:extLst>
           </p:nvPr>
@@ -17635,7 +17635,7 @@
                       </a:pPr>
                       <a:r>
                         <a:rPr lang="es-419" b="0" baseline="0" dirty="0" smtClean="0"/>
-                        <a:t>10GbE en fibra</a:t>
+                        <a:t>10GbE</a:t>
                       </a:r>
                     </a:p>
                     <a:p>
@@ -17722,14 +17722,14 @@
           <p:nvPr>
             <p:extLst>
               <p:ext uri="{D42A27DB-BD31-4B8C-83A1-F6EECF244321}">
-                <p14:modId xmlns:p14="http://schemas.microsoft.com/office/powerpoint/2010/main" val="4234435995"/>
+                <p14:modId xmlns:p14="http://schemas.microsoft.com/office/powerpoint/2010/main" val="3685185492"/>
               </p:ext>
             </p:extLst>
           </p:nvPr>
         </p:nvGraphicFramePr>
         <p:xfrm>
           <a:off x="502503" y="1041400"/>
-          <a:ext cx="10962122" cy="5680074"/>
+          <a:ext cx="10978297" cy="5680074"/>
         </p:xfrm>
         <a:graphic>
           <a:graphicData uri="http://schemas.openxmlformats.org/drawingml/2006/table">
@@ -17738,14 +17738,14 @@
                 <a:tableStyleId>{5C22544A-7EE6-4342-B048-85BDC9FD1C3A}</a:tableStyleId>
               </a:tblPr>
               <a:tblGrid>
-                <a:gridCol w="6509919">
+                <a:gridCol w="6519525">
                   <a:extLst>
                     <a:ext uri="{9D8B030D-6E8A-4147-A177-3AD203B41FA5}">
                       <a16:colId xmlns:a16="http://schemas.microsoft.com/office/drawing/2014/main" val="909721425"/>
                     </a:ext>
                   </a:extLst>
                 </a:gridCol>
-                <a:gridCol w="4452203">
+                <a:gridCol w="4458772">
                   <a:extLst>
                     <a:ext uri="{9D8B030D-6E8A-4147-A177-3AD203B41FA5}">
                       <a16:colId xmlns:a16="http://schemas.microsoft.com/office/drawing/2014/main" val="3762129267"/>
@@ -18069,14 +18069,14 @@
           <p:nvPr>
             <p:extLst>
               <p:ext uri="{D42A27DB-BD31-4B8C-83A1-F6EECF244321}">
-                <p14:modId xmlns:p14="http://schemas.microsoft.com/office/powerpoint/2010/main" val="3045119895"/>
+                <p14:modId xmlns:p14="http://schemas.microsoft.com/office/powerpoint/2010/main" val="2383272434"/>
               </p:ext>
             </p:extLst>
           </p:nvPr>
         </p:nvGraphicFramePr>
         <p:xfrm>
           <a:off x="513624" y="1028701"/>
-          <a:ext cx="10962122" cy="5680074"/>
+          <a:ext cx="10967176" cy="5680074"/>
         </p:xfrm>
         <a:graphic>
           <a:graphicData uri="http://schemas.openxmlformats.org/drawingml/2006/table">
@@ -18085,14 +18085,14 @@
                 <a:tableStyleId>{5C22544A-7EE6-4342-B048-85BDC9FD1C3A}</a:tableStyleId>
               </a:tblPr>
               <a:tblGrid>
-                <a:gridCol w="5908248">
+                <a:gridCol w="5910971">
                   <a:extLst>
                     <a:ext uri="{9D8B030D-6E8A-4147-A177-3AD203B41FA5}">
                       <a16:colId xmlns:a16="http://schemas.microsoft.com/office/drawing/2014/main" val="909721425"/>
                     </a:ext>
                   </a:extLst>
                 </a:gridCol>
-                <a:gridCol w="5053874">
+                <a:gridCol w="5056205">
                   <a:extLst>
                     <a:ext uri="{9D8B030D-6E8A-4147-A177-3AD203B41FA5}">
                       <a16:colId xmlns:a16="http://schemas.microsoft.com/office/drawing/2014/main" val="3762129267"/>
